--- a/AITraining/Fundamentals/Statistics/Stats - ArgMax.pptx
+++ b/AITraining/Fundamentals/Statistics/Stats - ArgMax.pptx
@@ -196,7 +196,7 @@
           <a:p>
             <a:fld id="{FAF957FC-5175-49AC-8D2B-2F056FFFC1DD}" type="datetimeFigureOut">
               <a:rPr lang="en-US" smtClean="0"/>
-              <a:t>7/30/2017</a:t>
+              <a:t>4/25/2018</a:t>
             </a:fld>
             <a:endParaRPr lang="en-US"/>
           </a:p>
@@ -646,7 +646,7 @@
             <a:fld id="{1D8BD707-D9CF-40AE-B4C6-C98DA3205C09}" type="datetimeFigureOut">
               <a:rPr lang="en-US" smtClean="0"/>
               <a:pPr/>
-              <a:t>7/30/2017</a:t>
+              <a:t>4/25/2018</a:t>
             </a:fld>
             <a:endParaRPr lang="en-US"/>
           </a:p>
@@ -813,7 +813,7 @@
             <a:fld id="{1D8BD707-D9CF-40AE-B4C6-C98DA3205C09}" type="datetimeFigureOut">
               <a:rPr lang="en-US" smtClean="0"/>
               <a:pPr/>
-              <a:t>7/30/2017</a:t>
+              <a:t>4/25/2018</a:t>
             </a:fld>
             <a:endParaRPr lang="en-US"/>
           </a:p>
@@ -990,7 +990,7 @@
             <a:fld id="{1D8BD707-D9CF-40AE-B4C6-C98DA3205C09}" type="datetimeFigureOut">
               <a:rPr lang="en-US" smtClean="0"/>
               <a:pPr/>
-              <a:t>7/30/2017</a:t>
+              <a:t>4/25/2018</a:t>
             </a:fld>
             <a:endParaRPr lang="en-US"/>
           </a:p>
@@ -1157,7 +1157,7 @@
             <a:fld id="{1D8BD707-D9CF-40AE-B4C6-C98DA3205C09}" type="datetimeFigureOut">
               <a:rPr lang="en-US" smtClean="0"/>
               <a:pPr/>
-              <a:t>7/30/2017</a:t>
+              <a:t>4/25/2018</a:t>
             </a:fld>
             <a:endParaRPr lang="en-US"/>
           </a:p>
@@ -1400,7 +1400,7 @@
             <a:fld id="{1D8BD707-D9CF-40AE-B4C6-C98DA3205C09}" type="datetimeFigureOut">
               <a:rPr lang="en-US" smtClean="0"/>
               <a:pPr/>
-              <a:t>7/30/2017</a:t>
+              <a:t>4/25/2018</a:t>
             </a:fld>
             <a:endParaRPr lang="en-US"/>
           </a:p>
@@ -1685,7 +1685,7 @@
             <a:fld id="{1D8BD707-D9CF-40AE-B4C6-C98DA3205C09}" type="datetimeFigureOut">
               <a:rPr lang="en-US" smtClean="0"/>
               <a:pPr/>
-              <a:t>7/30/2017</a:t>
+              <a:t>4/25/2018</a:t>
             </a:fld>
             <a:endParaRPr lang="en-US"/>
           </a:p>
@@ -2104,7 +2104,7 @@
             <a:fld id="{1D8BD707-D9CF-40AE-B4C6-C98DA3205C09}" type="datetimeFigureOut">
               <a:rPr lang="en-US" smtClean="0"/>
               <a:pPr/>
-              <a:t>7/30/2017</a:t>
+              <a:t>4/25/2018</a:t>
             </a:fld>
             <a:endParaRPr lang="en-US"/>
           </a:p>
@@ -2219,7 +2219,7 @@
             <a:fld id="{1D8BD707-D9CF-40AE-B4C6-C98DA3205C09}" type="datetimeFigureOut">
               <a:rPr lang="en-US" smtClean="0"/>
               <a:pPr/>
-              <a:t>7/30/2017</a:t>
+              <a:t>4/25/2018</a:t>
             </a:fld>
             <a:endParaRPr lang="en-US"/>
           </a:p>
@@ -2311,7 +2311,7 @@
             <a:fld id="{1D8BD707-D9CF-40AE-B4C6-C98DA3205C09}" type="datetimeFigureOut">
               <a:rPr lang="en-US" smtClean="0"/>
               <a:pPr/>
-              <a:t>7/30/2017</a:t>
+              <a:t>4/25/2018</a:t>
             </a:fld>
             <a:endParaRPr lang="en-US"/>
           </a:p>
@@ -2585,7 +2585,7 @@
             <a:fld id="{1D8BD707-D9CF-40AE-B4C6-C98DA3205C09}" type="datetimeFigureOut">
               <a:rPr lang="en-US" smtClean="0"/>
               <a:pPr/>
-              <a:t>7/30/2017</a:t>
+              <a:t>4/25/2018</a:t>
             </a:fld>
             <a:endParaRPr lang="en-US"/>
           </a:p>
@@ -2835,7 +2835,7 @@
             <a:fld id="{1D8BD707-D9CF-40AE-B4C6-C98DA3205C09}" type="datetimeFigureOut">
               <a:rPr lang="en-US" smtClean="0"/>
               <a:pPr/>
-              <a:t>7/30/2017</a:t>
+              <a:t>4/25/2018</a:t>
             </a:fld>
             <a:endParaRPr lang="en-US"/>
           </a:p>
@@ -3045,7 +3045,7 @@
             <a:fld id="{1D8BD707-D9CF-40AE-B4C6-C98DA3205C09}" type="datetimeFigureOut">
               <a:rPr lang="en-US" smtClean="0"/>
               <a:pPr/>
-              <a:t>7/30/2017</a:t>
+              <a:t>4/25/2018</a:t>
             </a:fld>
             <a:endParaRPr lang="en-US"/>
           </a:p>
@@ -4073,17 +4073,7 @@
                   </a:schemeClr>
                 </a:solidFill>
               </a:rPr>
-              <a:t> </a:t>
-            </a:r>
-            <a:r>
-              <a:rPr lang="en-US" sz="2400" b="1" dirty="0" smtClean="0">
-                <a:solidFill>
-                  <a:schemeClr val="accent5">
-                    <a:lumMod val="75000"/>
-                  </a:schemeClr>
-                </a:solidFill>
-              </a:rPr>
-              <a:t>is the maximum in x ∈ S, when:</a:t>
+              <a:t> is the maximum in x ∈ S, when:</a:t>
             </a:r>
           </a:p>
           <a:p>
@@ -4769,17 +4759,7 @@
                   </a:schemeClr>
                 </a:solidFill>
               </a:rPr>
-              <a:t> </a:t>
-            </a:r>
-            <a:r>
-              <a:rPr lang="en-US" sz="2400" b="1" dirty="0" smtClean="0">
-                <a:solidFill>
-                  <a:schemeClr val="accent5">
-                    <a:lumMod val="75000"/>
-                  </a:schemeClr>
-                </a:solidFill>
-              </a:rPr>
-              <a:t>that is greater than or equal to the output of</a:t>
+              <a:t> that is greater than or equal to the output of</a:t>
             </a:r>
           </a:p>
           <a:p>
@@ -4995,7 +4975,15 @@
                   <a:srgbClr val="00B050"/>
                 </a:solidFill>
               </a:rPr>
-              <a:t>For all x that are elements of set x</a:t>
+              <a:t>For all x that are elements of set </a:t>
+            </a:r>
+            <a:r>
+              <a:rPr lang="en-US" sz="1400" dirty="0" smtClean="0">
+                <a:solidFill>
+                  <a:srgbClr val="00B050"/>
+                </a:solidFill>
+              </a:rPr>
+              <a:t>S</a:t>
             </a:r>
             <a:endParaRPr lang="en-US" sz="1400" dirty="0">
               <a:solidFill>
@@ -5333,7 +5321,7 @@
         <p:spPr>
           <a:xfrm>
             <a:off x="1360523" y="1657856"/>
-            <a:ext cx="2465227" cy="307777"/>
+            <a:ext cx="2510111" cy="523220"/>
           </a:xfrm>
           <a:prstGeom prst="rect">
             <a:avLst/>
@@ -5352,7 +5340,30 @@
                   <a:srgbClr val="00B050"/>
                 </a:solidFill>
               </a:rPr>
-              <a:t>x maybe continuous or discrete</a:t>
+              <a:t>x maybe continuous or </a:t>
+            </a:r>
+            <a:r>
+              <a:rPr lang="en-US" sz="1400" dirty="0" smtClean="0">
+                <a:solidFill>
+                  <a:srgbClr val="00B050"/>
+                </a:solidFill>
+              </a:rPr>
+              <a:t>discrete,</a:t>
+            </a:r>
+            <a:br>
+              <a:rPr lang="en-US" sz="1400" dirty="0" smtClean="0">
+                <a:solidFill>
+                  <a:srgbClr val="00B050"/>
+                </a:solidFill>
+              </a:rPr>
+            </a:br>
+            <a:r>
+              <a:rPr lang="en-US" sz="1400" dirty="0" smtClean="0">
+                <a:solidFill>
+                  <a:srgbClr val="00B050"/>
+                </a:solidFill>
+              </a:rPr>
+              <a:t>Where set R is all real numbers.</a:t>
             </a:r>
             <a:endParaRPr lang="en-US" sz="1400" dirty="0">
               <a:solidFill>
@@ -5608,11 +5619,7 @@
             </a:r>
             <a:r>
               <a:rPr lang="en-US" b="1" dirty="0" smtClean="0"/>
-              <a:t>, </a:t>
-            </a:r>
-            <a:r>
-              <a:rPr lang="en-US" b="1" dirty="0" smtClean="0"/>
-              <a:t>0 </a:t>
+              <a:t>, 0 </a:t>
             </a:r>
             <a:r>
               <a:rPr lang="en-US" b="1" dirty="0"/>
@@ -5628,11 +5635,7 @@
             </a:r>
             <a:r>
               <a:rPr lang="en-US" b="1" dirty="0" smtClean="0"/>
-              <a:t>, </a:t>
-            </a:r>
-            <a:r>
-              <a:rPr lang="en-US" b="1" dirty="0" smtClean="0"/>
-              <a:t>4</a:t>
+              <a:t>, 4</a:t>
             </a:r>
             <a:r>
               <a:rPr lang="en-US" sz="1000" b="1" dirty="0" smtClean="0"/>
